--- a/Figures/radar_gating.pptx
+++ b/Figures/radar_gating.pptx
@@ -245,7 +245,7 @@
           <a:p>
             <a:fld id="{B7618162-1DE7-5E46-B728-C733B3AF3B1C}" type="datetimeFigureOut">
               <a:rPr lang="nb-NO" smtClean="0"/>
-              <a:t>18.05.2017</a:t>
+              <a:t>08.06.2017</a:t>
             </a:fld>
             <a:endParaRPr lang="nb-NO"/>
           </a:p>
@@ -413,7 +413,7 @@
           <a:p>
             <a:fld id="{B7618162-1DE7-5E46-B728-C733B3AF3B1C}" type="datetimeFigureOut">
               <a:rPr lang="nb-NO" smtClean="0"/>
-              <a:t>18.05.2017</a:t>
+              <a:t>08.06.2017</a:t>
             </a:fld>
             <a:endParaRPr lang="nb-NO"/>
           </a:p>
@@ -591,7 +591,7 @@
           <a:p>
             <a:fld id="{B7618162-1DE7-5E46-B728-C733B3AF3B1C}" type="datetimeFigureOut">
               <a:rPr lang="nb-NO" smtClean="0"/>
-              <a:t>18.05.2017</a:t>
+              <a:t>08.06.2017</a:t>
             </a:fld>
             <a:endParaRPr lang="nb-NO"/>
           </a:p>
@@ -759,7 +759,7 @@
           <a:p>
             <a:fld id="{B7618162-1DE7-5E46-B728-C733B3AF3B1C}" type="datetimeFigureOut">
               <a:rPr lang="nb-NO" smtClean="0"/>
-              <a:t>18.05.2017</a:t>
+              <a:t>08.06.2017</a:t>
             </a:fld>
             <a:endParaRPr lang="nb-NO"/>
           </a:p>
@@ -1004,7 +1004,7 @@
           <a:p>
             <a:fld id="{B7618162-1DE7-5E46-B728-C733B3AF3B1C}" type="datetimeFigureOut">
               <a:rPr lang="nb-NO" smtClean="0"/>
-              <a:t>18.05.2017</a:t>
+              <a:t>08.06.2017</a:t>
             </a:fld>
             <a:endParaRPr lang="nb-NO"/>
           </a:p>
@@ -1233,7 +1233,7 @@
           <a:p>
             <a:fld id="{B7618162-1DE7-5E46-B728-C733B3AF3B1C}" type="datetimeFigureOut">
               <a:rPr lang="nb-NO" smtClean="0"/>
-              <a:t>18.05.2017</a:t>
+              <a:t>08.06.2017</a:t>
             </a:fld>
             <a:endParaRPr lang="nb-NO"/>
           </a:p>
@@ -1597,7 +1597,7 @@
           <a:p>
             <a:fld id="{B7618162-1DE7-5E46-B728-C733B3AF3B1C}" type="datetimeFigureOut">
               <a:rPr lang="nb-NO" smtClean="0"/>
-              <a:t>18.05.2017</a:t>
+              <a:t>08.06.2017</a:t>
             </a:fld>
             <a:endParaRPr lang="nb-NO"/>
           </a:p>
@@ -1714,7 +1714,7 @@
           <a:p>
             <a:fld id="{B7618162-1DE7-5E46-B728-C733B3AF3B1C}" type="datetimeFigureOut">
               <a:rPr lang="nb-NO" smtClean="0"/>
-              <a:t>18.05.2017</a:t>
+              <a:t>08.06.2017</a:t>
             </a:fld>
             <a:endParaRPr lang="nb-NO"/>
           </a:p>
@@ -1809,7 +1809,7 @@
           <a:p>
             <a:fld id="{B7618162-1DE7-5E46-B728-C733B3AF3B1C}" type="datetimeFigureOut">
               <a:rPr lang="nb-NO" smtClean="0"/>
-              <a:t>18.05.2017</a:t>
+              <a:t>08.06.2017</a:t>
             </a:fld>
             <a:endParaRPr lang="nb-NO"/>
           </a:p>
@@ -2084,7 +2084,7 @@
           <a:p>
             <a:fld id="{B7618162-1DE7-5E46-B728-C733B3AF3B1C}" type="datetimeFigureOut">
               <a:rPr lang="nb-NO" smtClean="0"/>
-              <a:t>18.05.2017</a:t>
+              <a:t>08.06.2017</a:t>
             </a:fld>
             <a:endParaRPr lang="nb-NO"/>
           </a:p>
@@ -2336,7 +2336,7 @@
           <a:p>
             <a:fld id="{B7618162-1DE7-5E46-B728-C733B3AF3B1C}" type="datetimeFigureOut">
               <a:rPr lang="nb-NO" smtClean="0"/>
-              <a:t>18.05.2017</a:t>
+              <a:t>08.06.2017</a:t>
             </a:fld>
             <a:endParaRPr lang="nb-NO"/>
           </a:p>
@@ -2547,7 +2547,7 @@
           <a:p>
             <a:fld id="{B7618162-1DE7-5E46-B728-C733B3AF3B1C}" type="datetimeFigureOut">
               <a:rPr lang="nb-NO" smtClean="0"/>
-              <a:t>18.05.2017</a:t>
+              <a:t>08.06.2017</a:t>
             </a:fld>
             <a:endParaRPr lang="nb-NO"/>
           </a:p>
@@ -3012,8 +3012,8 @@
             </a:p>
           </p:txBody>
         </p:sp>
-        <mc:AlternateContent xmlns:mc="http://schemas.openxmlformats.org/markup-compatibility/2006">
-          <mc:Choice xmlns:a14="http://schemas.microsoft.com/office/drawing/2010/main" Requires="a14">
+        <mc:AlternateContent xmlns:mc="http://schemas.openxmlformats.org/markup-compatibility/2006" xmlns:a14="http://schemas.microsoft.com/office/drawing/2010/main">
+          <mc:Choice Requires="a14">
             <p:sp>
               <p:nvSpPr>
                 <p:cNvPr id="31" name="TekstSylinder 30"/>
@@ -3135,7 +3135,7 @@
               </p:txBody>
             </p:sp>
           </mc:Choice>
-          <mc:Fallback>
+          <mc:Fallback xmlns="">
             <p:sp>
               <p:nvSpPr>
                 <p:cNvPr id="31" name="TekstSylinder 30"/>
@@ -3511,8 +3511,8 @@
           </a:p>
         </p:txBody>
       </p:sp>
-      <mc:AlternateContent xmlns:mc="http://schemas.openxmlformats.org/markup-compatibility/2006" xmlns:a14="http://schemas.microsoft.com/office/drawing/2010/main">
-        <mc:Choice Requires="a14">
+      <mc:AlternateContent xmlns:mc="http://schemas.openxmlformats.org/markup-compatibility/2006">
+        <mc:Choice xmlns:a14="http://schemas.microsoft.com/office/drawing/2010/main" Requires="a14">
           <p:sp>
             <p:nvSpPr>
               <p:cNvPr id="39" name="TekstSylinder 38"/>
@@ -3522,7 +3522,7 @@
             <p:spPr>
               <a:xfrm>
                 <a:off x="23946" y="1513550"/>
-                <a:ext cx="540301" cy="735138"/>
+                <a:ext cx="540301" cy="707886"/>
               </a:xfrm>
               <a:prstGeom prst="rect">
                 <a:avLst/>
@@ -3558,7 +3558,7 @@
                           <a:rPr lang="nb-NO" sz="2000" b="0" i="1" smtClean="0">
                             <a:latin typeface="Cambria Math" panose="02040503050406030204" pitchFamily="18" charset="0"/>
                           </a:rPr>
-                          <m:t>0</m:t>
+                          <m:t>𝑐</m:t>
                         </m:r>
                       </m:sub>
                     </m:sSub>
@@ -3598,7 +3598,7 @@
                             <a:rPr lang="nb-NO" sz="2000" b="0" i="1" smtClean="0">
                               <a:latin typeface="Cambria Math" panose="02040503050406030204" pitchFamily="18" charset="0"/>
                             </a:rPr>
-                            <m:t>0</m:t>
+                            <m:t>𝑐</m:t>
                           </m:r>
                         </m:sub>
                       </m:sSub>
@@ -3610,7 +3610,7 @@
             </p:txBody>
           </p:sp>
         </mc:Choice>
-        <mc:Fallback xmlns="">
+        <mc:Fallback>
           <p:sp>
             <p:nvSpPr>
               <p:cNvPr id="39" name="TekstSylinder 38"/>
@@ -3622,7 +3622,7 @@
             <p:spPr>
               <a:xfrm>
                 <a:off x="23946" y="1513550"/>
-                <a:ext cx="540301" cy="735138"/>
+                <a:ext cx="540301" cy="707886"/>
               </a:xfrm>
               <a:prstGeom prst="rect">
                 <a:avLst/>
@@ -3630,7 +3630,7 @@
               <a:blipFill>
                 <a:blip r:embed="rId3"/>
                 <a:stretch>
-                  <a:fillRect t="-4132" r="-2247"/>
+                  <a:fillRect t="-4310" r="-1124"/>
                 </a:stretch>
               </a:blipFill>
             </p:spPr>
@@ -3709,8 +3709,8 @@
             </a:p>
           </p:txBody>
         </p:sp>
-        <mc:AlternateContent xmlns:mc="http://schemas.openxmlformats.org/markup-compatibility/2006">
-          <mc:Choice xmlns:a14="http://schemas.microsoft.com/office/drawing/2010/main" Requires="a14">
+        <mc:AlternateContent xmlns:mc="http://schemas.openxmlformats.org/markup-compatibility/2006" xmlns:a14="http://schemas.microsoft.com/office/drawing/2010/main">
+          <mc:Choice Requires="a14">
             <p:sp>
               <p:nvSpPr>
                 <p:cNvPr id="18" name="TekstSylinder 17"/>
@@ -3844,7 +3844,7 @@
               </p:txBody>
             </p:sp>
           </mc:Choice>
-          <mc:Fallback>
+          <mc:Fallback xmlns="">
             <p:sp>
               <p:nvSpPr>
                 <p:cNvPr id="18" name="TekstSylinder 17"/>
@@ -3944,8 +3944,8 @@
             </a:p>
           </p:txBody>
         </p:sp>
-        <mc:AlternateContent xmlns:mc="http://schemas.openxmlformats.org/markup-compatibility/2006">
-          <mc:Choice xmlns:a14="http://schemas.microsoft.com/office/drawing/2010/main" Requires="a14">
+        <mc:AlternateContent xmlns:mc="http://schemas.openxmlformats.org/markup-compatibility/2006" xmlns:a14="http://schemas.microsoft.com/office/drawing/2010/main">
+          <mc:Choice Requires="a14">
             <p:sp>
               <p:nvSpPr>
                 <p:cNvPr id="27" name="TekstSylinder 26"/>
@@ -4079,7 +4079,7 @@
               </p:txBody>
             </p:sp>
           </mc:Choice>
-          <mc:Fallback>
+          <mc:Fallback xmlns="">
             <p:sp>
               <p:nvSpPr>
                 <p:cNvPr id="27" name="TekstSylinder 26"/>
